--- a/Module 4 Descriptive Statistics/M4 Descriptive Stats Lecture Notes.pptx
+++ b/Module 4 Descriptive Statistics/M4 Descriptive Stats Lecture Notes.pptx
@@ -204,6 +204,30 @@
 <file path=ppt/changesInfos/changesInfo1.xml><?xml version="1.0" encoding="utf-8"?>
 <pc:chgInfo xmlns:a="http://schemas.openxmlformats.org/drawingml/2006/main" xmlns:r="http://schemas.openxmlformats.org/officeDocument/2006/relationships" xmlns:ac="http://schemas.microsoft.com/office/drawing/2013/main/command" xmlns:pc="http://schemas.microsoft.com/office/powerpoint/2013/main/command">
   <pc:docChgLst>
+    <pc:chgData name="Pablo Esteban Gutiérrez-Fonseca (he/him)" userId="25bdc618-995f-415b-9b28-31563f05eb38" providerId="ADAL" clId="{315042E0-FBF4-4130-9063-2DEE3B845FB2}"/>
+    <pc:docChg chg="modSld">
+      <pc:chgData name="Pablo Esteban Gutiérrez-Fonseca (he/him)" userId="25bdc618-995f-415b-9b28-31563f05eb38" providerId="ADAL" clId="{315042E0-FBF4-4130-9063-2DEE3B845FB2}" dt="2024-09-14T03:17:05.137" v="0" actId="1076"/>
+      <pc:docMkLst>
+        <pc:docMk/>
+      </pc:docMkLst>
+      <pc:sldChg chg="modSp mod">
+        <pc:chgData name="Pablo Esteban Gutiérrez-Fonseca (he/him)" userId="25bdc618-995f-415b-9b28-31563f05eb38" providerId="ADAL" clId="{315042E0-FBF4-4130-9063-2DEE3B845FB2}" dt="2024-09-14T03:17:05.137" v="0" actId="1076"/>
+        <pc:sldMkLst>
+          <pc:docMk/>
+          <pc:sldMk cId="121257367" sldId="405"/>
+        </pc:sldMkLst>
+        <pc:graphicFrameChg chg="mod">
+          <ac:chgData name="Pablo Esteban Gutiérrez-Fonseca (he/him)" userId="25bdc618-995f-415b-9b28-31563f05eb38" providerId="ADAL" clId="{315042E0-FBF4-4130-9063-2DEE3B845FB2}" dt="2024-09-14T03:17:05.137" v="0" actId="1076"/>
+          <ac:graphicFrameMkLst>
+            <pc:docMk/>
+            <pc:sldMk cId="121257367" sldId="405"/>
+            <ac:graphicFrameMk id="4" creationId="{00000000-0000-0000-0000-000000000000}"/>
+          </ac:graphicFrameMkLst>
+        </pc:graphicFrameChg>
+      </pc:sldChg>
+    </pc:docChg>
+  </pc:docChgLst>
+  <pc:docChgLst>
     <pc:chgData name="Pablo Esteban Gutiérrez-Fonseca (he/him)" userId="25bdc618-995f-415b-9b28-31563f05eb38" providerId="ADAL" clId="{DFB45AD2-D9DC-4B1A-96DF-D0A9B559DB53}"/>
     <pc:docChg chg="modSld">
       <pc:chgData name="Pablo Esteban Gutiérrez-Fonseca (he/him)" userId="25bdc618-995f-415b-9b28-31563f05eb38" providerId="ADAL" clId="{DFB45AD2-D9DC-4B1A-96DF-D0A9B559DB53}" dt="2024-02-06T16:04:00.192" v="4"/>
@@ -321,7 +345,7 @@
               <a:pPr>
                 <a:defRPr/>
               </a:pPr>
-              <a:t>2/6/2024</a:t>
+              <a:t>9/13/2024</a:t>
             </a:fld>
             <a:endParaRPr lang="en-US"/>
           </a:p>
@@ -504,7 +528,7 @@
               <a:pPr>
                 <a:defRPr/>
               </a:pPr>
-              <a:t>2/6/2024</a:t>
+              <a:t>9/13/2024</a:t>
             </a:fld>
             <a:endParaRPr lang="en-US"/>
           </a:p>
@@ -11408,10 +11432,16 @@
           <p:cNvGraphicFramePr>
             <a:graphicFrameLocks noChangeAspect="1"/>
           </p:cNvGraphicFramePr>
-          <p:nvPr/>
+          <p:nvPr>
+            <p:extLst>
+              <p:ext uri="{D42A27DB-BD31-4B8C-83A1-F6EECF244321}">
+                <p14:modId xmlns:p14="http://schemas.microsoft.com/office/powerpoint/2010/main" val="3652040072"/>
+              </p:ext>
+            </p:extLst>
+          </p:nvPr>
         </p:nvGraphicFramePr>
         <p:xfrm>
-          <a:off x="5314014" y="4103306"/>
+          <a:off x="5314014" y="4120390"/>
           <a:ext cx="2686827" cy="1019295"/>
         </p:xfrm>
         <a:graphic>
@@ -11448,7 +11478,7 @@
                     </p:blipFill>
                     <p:spPr bwMode="auto">
                       <a:xfrm>
-                        <a:off x="5314014" y="4103306"/>
+                        <a:off x="5314014" y="4120390"/>
                         <a:ext cx="2686827" cy="1019295"/>
                       </a:xfrm>
                       <a:prstGeom prst="rect">
